--- a/Multi_Agent/COMA/Counterfactual multi-agent policy gradients-AAAI2018.pptx
+++ b/Multi_Agent/COMA/Counterfactual multi-agent policy gradients-AAAI2018.pptx
@@ -234,7 +234,7 @@
           <a:p>
             <a:fld id="{AF85BF95-9674-4AD9-9C79-594932E5DA65}" type="datetimeFigureOut">
               <a:rPr lang="ko-KR" altLang="en-US" smtClean="0"/>
-              <a:t>2020-03-29</a:t>
+              <a:t>2020-03-31</a:t>
             </a:fld>
             <a:endParaRPr lang="ko-KR" altLang="en-US"/>
           </a:p>
@@ -2088,7 +2088,7 @@
             <a:fld id="{D0DB8FD8-EA96-4975-82CC-472F95990E2A}" type="datetimeFigureOut">
               <a:rPr lang="ko-KR" altLang="en-US" smtClean="0"/>
               <a:pPr/>
-              <a:t>2020-03-29</a:t>
+              <a:t>2020-03-31</a:t>
             </a:fld>
             <a:endParaRPr lang="ko-KR" altLang="en-US"/>
           </a:p>
@@ -2331,7 +2331,7 @@
             <a:fld id="{D0DB8FD8-EA96-4975-82CC-472F95990E2A}" type="datetimeFigureOut">
               <a:rPr lang="ko-KR" altLang="en-US" smtClean="0"/>
               <a:pPr/>
-              <a:t>2020-03-29</a:t>
+              <a:t>2020-03-31</a:t>
             </a:fld>
             <a:endParaRPr lang="ko-KR" altLang="en-US"/>
           </a:p>
@@ -2525,7 +2525,7 @@
             <a:fld id="{D0DB8FD8-EA96-4975-82CC-472F95990E2A}" type="datetimeFigureOut">
               <a:rPr lang="ko-KR" altLang="en-US" smtClean="0"/>
               <a:pPr/>
-              <a:t>2020-03-29</a:t>
+              <a:t>2020-03-31</a:t>
             </a:fld>
             <a:endParaRPr lang="ko-KR" altLang="en-US"/>
           </a:p>
@@ -2710,7 +2710,7 @@
             <a:fld id="{D0DB8FD8-EA96-4975-82CC-472F95990E2A}" type="datetimeFigureOut">
               <a:rPr lang="ko-KR" altLang="en-US" smtClean="0"/>
               <a:pPr/>
-              <a:t>2020-03-29</a:t>
+              <a:t>2020-03-31</a:t>
             </a:fld>
             <a:endParaRPr lang="ko-KR" altLang="en-US"/>
           </a:p>
@@ -2896,7 +2896,7 @@
             <a:fld id="{D0DB8FD8-EA96-4975-82CC-472F95990E2A}" type="datetimeFigureOut">
               <a:rPr lang="ko-KR" altLang="en-US" smtClean="0"/>
               <a:pPr/>
-              <a:t>2020-03-29</a:t>
+              <a:t>2020-03-31</a:t>
             </a:fld>
             <a:endParaRPr lang="ko-KR" altLang="en-US"/>
           </a:p>
@@ -3147,7 +3147,7 @@
             <a:fld id="{D0DB8FD8-EA96-4975-82CC-472F95990E2A}" type="datetimeFigureOut">
               <a:rPr lang="ko-KR" altLang="en-US" smtClean="0"/>
               <a:pPr/>
-              <a:t>2020-03-29</a:t>
+              <a:t>2020-03-31</a:t>
             </a:fld>
             <a:endParaRPr lang="ko-KR" altLang="en-US"/>
           </a:p>
@@ -3419,7 +3419,7 @@
             <a:fld id="{D0DB8FD8-EA96-4975-82CC-472F95990E2A}" type="datetimeFigureOut">
               <a:rPr lang="ko-KR" altLang="en-US" smtClean="0"/>
               <a:pPr/>
-              <a:t>2020-03-29</a:t>
+              <a:t>2020-03-31</a:t>
             </a:fld>
             <a:endParaRPr lang="ko-KR" altLang="en-US"/>
           </a:p>
@@ -3689,7 +3689,7 @@
             <a:fld id="{D0DB8FD8-EA96-4975-82CC-472F95990E2A}" type="datetimeFigureOut">
               <a:rPr lang="ko-KR" altLang="en-US" smtClean="0"/>
               <a:pPr/>
-              <a:t>2020-03-29</a:t>
+              <a:t>2020-03-31</a:t>
             </a:fld>
             <a:endParaRPr lang="ko-KR" altLang="en-US"/>
           </a:p>
@@ -4032,7 +4032,7 @@
             <a:fld id="{D0DB8FD8-EA96-4975-82CC-472F95990E2A}" type="datetimeFigureOut">
               <a:rPr lang="ko-KR" altLang="en-US" smtClean="0"/>
               <a:pPr/>
-              <a:t>2020-03-29</a:t>
+              <a:t>2020-03-31</a:t>
             </a:fld>
             <a:endParaRPr lang="ko-KR" altLang="en-US"/>
           </a:p>
@@ -4509,7 +4509,7 @@
             <a:fld id="{D0DB8FD8-EA96-4975-82CC-472F95990E2A}" type="datetimeFigureOut">
               <a:rPr lang="ko-KR" altLang="en-US" smtClean="0"/>
               <a:pPr/>
-              <a:t>2020-03-29</a:t>
+              <a:t>2020-03-31</a:t>
             </a:fld>
             <a:endParaRPr lang="ko-KR" altLang="en-US"/>
           </a:p>
@@ -4682,7 +4682,7 @@
             <a:fld id="{D0DB8FD8-EA96-4975-82CC-472F95990E2A}" type="datetimeFigureOut">
               <a:rPr lang="ko-KR" altLang="en-US" smtClean="0"/>
               <a:pPr/>
-              <a:t>2020-03-29</a:t>
+              <a:t>2020-03-31</a:t>
             </a:fld>
             <a:endParaRPr lang="ko-KR" altLang="en-US"/>
           </a:p>
@@ -4791,7 +4791,7 @@
             <a:fld id="{D0DB8FD8-EA96-4975-82CC-472F95990E2A}" type="datetimeFigureOut">
               <a:rPr lang="ko-KR" altLang="en-US" smtClean="0"/>
               <a:pPr/>
-              <a:t>2020-03-29</a:t>
+              <a:t>2020-03-31</a:t>
             </a:fld>
             <a:endParaRPr lang="ko-KR" altLang="en-US"/>
           </a:p>
@@ -5082,7 +5082,7 @@
             <a:fld id="{D0DB8FD8-EA96-4975-82CC-472F95990E2A}" type="datetimeFigureOut">
               <a:rPr lang="ko-KR" altLang="en-US" smtClean="0"/>
               <a:pPr/>
-              <a:t>2020-03-29</a:t>
+              <a:t>2020-03-31</a:t>
             </a:fld>
             <a:endParaRPr lang="ko-KR" altLang="en-US"/>
           </a:p>
@@ -5356,7 +5356,7 @@
             <a:fld id="{D0DB8FD8-EA96-4975-82CC-472F95990E2A}" type="datetimeFigureOut">
               <a:rPr lang="ko-KR" altLang="en-US" smtClean="0"/>
               <a:pPr/>
-              <a:t>2020-03-29</a:t>
+              <a:t>2020-03-31</a:t>
             </a:fld>
             <a:endParaRPr lang="ko-KR" altLang="en-US"/>
           </a:p>
@@ -5635,7 +5635,7 @@
             <a:fld id="{D0DB8FD8-EA96-4975-82CC-472F95990E2A}" type="datetimeFigureOut">
               <a:rPr lang="ko-KR" altLang="en-US" smtClean="0"/>
               <a:pPr/>
-              <a:t>2020-03-29</a:t>
+              <a:t>2020-03-31</a:t>
             </a:fld>
             <a:endParaRPr lang="ko-KR" altLang="en-US"/>
           </a:p>

--- a/Multi_Agent/COMA/Counterfactual multi-agent policy gradients-AAAI2018.pptx
+++ b/Multi_Agent/COMA/Counterfactual multi-agent policy gradients-AAAI2018.pptx
@@ -5,7 +5,7 @@
     <p:sldMasterId id="2147483672" r:id="rId1"/>
   </p:sldMasterIdLst>
   <p:notesMasterIdLst>
-    <p:notesMasterId r:id="rId17"/>
+    <p:notesMasterId r:id="rId18"/>
   </p:notesMasterIdLst>
   <p:sldIdLst>
     <p:sldId id="449" r:id="rId2"/>
@@ -23,6 +23,7 @@
     <p:sldId id="566" r:id="rId14"/>
     <p:sldId id="567" r:id="rId15"/>
     <p:sldId id="568" r:id="rId16"/>
+    <p:sldId id="569" r:id="rId17"/>
   </p:sldIdLst>
   <p:sldSz cx="9144000" cy="6858000" type="screen4x3"/>
   <p:notesSz cx="6797675" cy="9928225"/>
@@ -234,7 +235,7 @@
           <a:p>
             <a:fld id="{AF85BF95-9674-4AD9-9C79-594932E5DA65}" type="datetimeFigureOut">
               <a:rPr lang="ko-KR" altLang="en-US" smtClean="0"/>
-              <a:t>2020-03-31</a:t>
+              <a:t>2020-04-01</a:t>
             </a:fld>
             <a:endParaRPr lang="ko-KR" altLang="en-US"/>
           </a:p>
@@ -545,105 +546,8 @@
           <a:bodyPr/>
           <a:lstStyle/>
           <a:p>
-            <a:r>
-              <a:rPr lang="en-US" altLang="ko-KR" dirty="0"/>
-              <a:t>QMIX</a:t>
-            </a:r>
-            <a:r>
-              <a:rPr lang="ko-KR" altLang="en-US" dirty="0"/>
-              <a:t>의 성능이 우수하다</a:t>
-            </a:r>
-            <a:endParaRPr lang="en-US" altLang="ko-KR" dirty="0"/>
-          </a:p>
-          <a:p>
-            <a:pPr marL="228600" indent="-228600">
-              <a:buAutoNum type="alphaLcParenBoth"/>
-            </a:pPr>
-            <a:r>
-              <a:rPr lang="en-US" altLang="ko-KR" dirty="0"/>
-              <a:t>-</a:t>
-            </a:r>
-            <a:r>
-              <a:rPr lang="en-US" altLang="ko-KR" baseline="0" dirty="0"/>
-              <a:t> </a:t>
-            </a:r>
-            <a:r>
-              <a:rPr lang="en-US" altLang="ko-KR" dirty="0" err="1"/>
-              <a:t>hiddenLayer</a:t>
-            </a:r>
-            <a:r>
-              <a:rPr lang="ko-KR" altLang="en-US" dirty="0"/>
-              <a:t>가 학습을 느리게 하지 않는다</a:t>
-            </a:r>
-            <a:r>
-              <a:rPr lang="en-US" altLang="ko-KR" dirty="0"/>
-              <a:t>, </a:t>
-            </a:r>
-            <a:r>
-              <a:rPr lang="ko-KR" altLang="en-US" dirty="0"/>
-              <a:t>성능차이가 크게 없다 </a:t>
-            </a:r>
-            <a:r>
-              <a:rPr lang="en-US" altLang="ko-KR" dirty="0"/>
-              <a:t>(</a:t>
-            </a:r>
-            <a:r>
-              <a:rPr lang="ko-KR" altLang="en-US" dirty="0"/>
-              <a:t>단일 유닛</a:t>
-            </a:r>
-            <a:r>
-              <a:rPr lang="en-US" altLang="ko-KR" dirty="0"/>
-              <a:t>)</a:t>
-            </a:r>
-          </a:p>
-          <a:p>
-            <a:pPr marL="228600" indent="-228600">
-              <a:buAutoNum type="alphaLcParenBoth"/>
-            </a:pPr>
-            <a:r>
-              <a:rPr lang="en-US" altLang="ko-KR" dirty="0"/>
-              <a:t>(c) -  (</a:t>
-            </a:r>
-            <a:r>
-              <a:rPr lang="ko-KR" altLang="en-US" dirty="0"/>
-              <a:t>복수 유닛</a:t>
-            </a:r>
-            <a:r>
-              <a:rPr lang="en-US" altLang="ko-KR" dirty="0"/>
-              <a:t>) </a:t>
-            </a:r>
-            <a:r>
-              <a:rPr lang="ko-KR" altLang="en-US" dirty="0"/>
-              <a:t>성능 차이가 난다</a:t>
-            </a:r>
-            <a:r>
-              <a:rPr lang="en-US" altLang="ko-KR" dirty="0"/>
-              <a:t>(central state information</a:t>
-            </a:r>
-            <a:r>
-              <a:rPr lang="en-US" altLang="ko-KR" baseline="0" dirty="0"/>
-              <a:t> </a:t>
-            </a:r>
-            <a:r>
-              <a:rPr lang="ko-KR" altLang="en-US" baseline="0" dirty="0"/>
-              <a:t>와 </a:t>
-            </a:r>
-            <a:r>
-              <a:rPr lang="en-US" altLang="ko-KR" dirty="0"/>
-              <a:t>non-linear value function factorization </a:t>
-            </a:r>
-            <a:r>
-              <a:rPr lang="ko-KR" altLang="en-US" dirty="0"/>
-              <a:t>가 필요</a:t>
-            </a:r>
-            <a:r>
-              <a:rPr lang="en-US" altLang="ko-KR" dirty="0"/>
-              <a:t>)</a:t>
-            </a:r>
-          </a:p>
-          <a:p>
-            <a:pPr marL="228600" indent="-228600">
-              <a:buAutoNum type="alphaLcParenBoth"/>
+            <a:pPr marL="0" indent="0">
+              <a:buNone/>
             </a:pPr>
             <a:endParaRPr lang="en-US" altLang="ko-KR" dirty="0"/>
           </a:p>
@@ -1004,105 +908,8 @@
           <a:bodyPr/>
           <a:lstStyle/>
           <a:p>
-            <a:r>
-              <a:rPr lang="en-US" altLang="ko-KR" dirty="0"/>
-              <a:t>QMIX</a:t>
-            </a:r>
-            <a:r>
-              <a:rPr lang="ko-KR" altLang="en-US" dirty="0"/>
-              <a:t>의 성능이 우수하다</a:t>
-            </a:r>
-            <a:endParaRPr lang="en-US" altLang="ko-KR" dirty="0"/>
-          </a:p>
-          <a:p>
-            <a:pPr marL="228600" indent="-228600">
-              <a:buAutoNum type="alphaLcParenBoth"/>
-            </a:pPr>
-            <a:r>
-              <a:rPr lang="en-US" altLang="ko-KR" dirty="0"/>
-              <a:t>-</a:t>
-            </a:r>
-            <a:r>
-              <a:rPr lang="en-US" altLang="ko-KR" baseline="0" dirty="0"/>
-              <a:t> </a:t>
-            </a:r>
-            <a:r>
-              <a:rPr lang="en-US" altLang="ko-KR" dirty="0" err="1"/>
-              <a:t>hiddenLayer</a:t>
-            </a:r>
-            <a:r>
-              <a:rPr lang="ko-KR" altLang="en-US" dirty="0"/>
-              <a:t>가 학습을 느리게 하지 않는다</a:t>
-            </a:r>
-            <a:r>
-              <a:rPr lang="en-US" altLang="ko-KR" dirty="0"/>
-              <a:t>, </a:t>
-            </a:r>
-            <a:r>
-              <a:rPr lang="ko-KR" altLang="en-US" dirty="0"/>
-              <a:t>성능차이가 크게 없다 </a:t>
-            </a:r>
-            <a:r>
-              <a:rPr lang="en-US" altLang="ko-KR" dirty="0"/>
-              <a:t>(</a:t>
-            </a:r>
-            <a:r>
-              <a:rPr lang="ko-KR" altLang="en-US" dirty="0"/>
-              <a:t>단일 유닛</a:t>
-            </a:r>
-            <a:r>
-              <a:rPr lang="en-US" altLang="ko-KR" dirty="0"/>
-              <a:t>)</a:t>
-            </a:r>
-          </a:p>
-          <a:p>
-            <a:pPr marL="228600" indent="-228600">
-              <a:buAutoNum type="alphaLcParenBoth"/>
-            </a:pPr>
-            <a:r>
-              <a:rPr lang="en-US" altLang="ko-KR" dirty="0"/>
-              <a:t>(c) -  (</a:t>
-            </a:r>
-            <a:r>
-              <a:rPr lang="ko-KR" altLang="en-US" dirty="0"/>
-              <a:t>복수 유닛</a:t>
-            </a:r>
-            <a:r>
-              <a:rPr lang="en-US" altLang="ko-KR" dirty="0"/>
-              <a:t>) </a:t>
-            </a:r>
-            <a:r>
-              <a:rPr lang="ko-KR" altLang="en-US" dirty="0"/>
-              <a:t>성능 차이가 난다</a:t>
-            </a:r>
-            <a:r>
-              <a:rPr lang="en-US" altLang="ko-KR" dirty="0"/>
-              <a:t>(central state information</a:t>
-            </a:r>
-            <a:r>
-              <a:rPr lang="en-US" altLang="ko-KR" baseline="0" dirty="0"/>
-              <a:t> </a:t>
-            </a:r>
-            <a:r>
-              <a:rPr lang="ko-KR" altLang="en-US" baseline="0" dirty="0"/>
-              <a:t>와 </a:t>
-            </a:r>
-            <a:r>
-              <a:rPr lang="en-US" altLang="ko-KR" dirty="0"/>
-              <a:t>non-linear value function factorization </a:t>
-            </a:r>
-            <a:r>
-              <a:rPr lang="ko-KR" altLang="en-US" dirty="0"/>
-              <a:t>가 필요</a:t>
-            </a:r>
-            <a:r>
-              <a:rPr lang="en-US" altLang="ko-KR" dirty="0"/>
-              <a:t>)</a:t>
-            </a:r>
-          </a:p>
-          <a:p>
-            <a:pPr marL="228600" indent="-228600">
-              <a:buAutoNum type="alphaLcParenBoth"/>
+            <a:pPr marL="0" indent="0">
+              <a:buNone/>
             </a:pPr>
             <a:endParaRPr lang="en-US" altLang="ko-KR" dirty="0"/>
           </a:p>
@@ -2088,7 +1895,7 @@
             <a:fld id="{D0DB8FD8-EA96-4975-82CC-472F95990E2A}" type="datetimeFigureOut">
               <a:rPr lang="ko-KR" altLang="en-US" smtClean="0"/>
               <a:pPr/>
-              <a:t>2020-03-31</a:t>
+              <a:t>2020-04-01</a:t>
             </a:fld>
             <a:endParaRPr lang="ko-KR" altLang="en-US"/>
           </a:p>
@@ -2331,7 +2138,7 @@
             <a:fld id="{D0DB8FD8-EA96-4975-82CC-472F95990E2A}" type="datetimeFigureOut">
               <a:rPr lang="ko-KR" altLang="en-US" smtClean="0"/>
               <a:pPr/>
-              <a:t>2020-03-31</a:t>
+              <a:t>2020-04-01</a:t>
             </a:fld>
             <a:endParaRPr lang="ko-KR" altLang="en-US"/>
           </a:p>
@@ -2525,7 +2332,7 @@
             <a:fld id="{D0DB8FD8-EA96-4975-82CC-472F95990E2A}" type="datetimeFigureOut">
               <a:rPr lang="ko-KR" altLang="en-US" smtClean="0"/>
               <a:pPr/>
-              <a:t>2020-03-31</a:t>
+              <a:t>2020-04-01</a:t>
             </a:fld>
             <a:endParaRPr lang="ko-KR" altLang="en-US"/>
           </a:p>
@@ -2710,7 +2517,7 @@
             <a:fld id="{D0DB8FD8-EA96-4975-82CC-472F95990E2A}" type="datetimeFigureOut">
               <a:rPr lang="ko-KR" altLang="en-US" smtClean="0"/>
               <a:pPr/>
-              <a:t>2020-03-31</a:t>
+              <a:t>2020-04-01</a:t>
             </a:fld>
             <a:endParaRPr lang="ko-KR" altLang="en-US"/>
           </a:p>
@@ -2896,7 +2703,7 @@
             <a:fld id="{D0DB8FD8-EA96-4975-82CC-472F95990E2A}" type="datetimeFigureOut">
               <a:rPr lang="ko-KR" altLang="en-US" smtClean="0"/>
               <a:pPr/>
-              <a:t>2020-03-31</a:t>
+              <a:t>2020-04-01</a:t>
             </a:fld>
             <a:endParaRPr lang="ko-KR" altLang="en-US"/>
           </a:p>
@@ -3147,7 +2954,7 @@
             <a:fld id="{D0DB8FD8-EA96-4975-82CC-472F95990E2A}" type="datetimeFigureOut">
               <a:rPr lang="ko-KR" altLang="en-US" smtClean="0"/>
               <a:pPr/>
-              <a:t>2020-03-31</a:t>
+              <a:t>2020-04-01</a:t>
             </a:fld>
             <a:endParaRPr lang="ko-KR" altLang="en-US"/>
           </a:p>
@@ -3419,7 +3226,7 @@
             <a:fld id="{D0DB8FD8-EA96-4975-82CC-472F95990E2A}" type="datetimeFigureOut">
               <a:rPr lang="ko-KR" altLang="en-US" smtClean="0"/>
               <a:pPr/>
-              <a:t>2020-03-31</a:t>
+              <a:t>2020-04-01</a:t>
             </a:fld>
             <a:endParaRPr lang="ko-KR" altLang="en-US"/>
           </a:p>
@@ -3689,7 +3496,7 @@
             <a:fld id="{D0DB8FD8-EA96-4975-82CC-472F95990E2A}" type="datetimeFigureOut">
               <a:rPr lang="ko-KR" altLang="en-US" smtClean="0"/>
               <a:pPr/>
-              <a:t>2020-03-31</a:t>
+              <a:t>2020-04-01</a:t>
             </a:fld>
             <a:endParaRPr lang="ko-KR" altLang="en-US"/>
           </a:p>
@@ -4032,7 +3839,7 @@
             <a:fld id="{D0DB8FD8-EA96-4975-82CC-472F95990E2A}" type="datetimeFigureOut">
               <a:rPr lang="ko-KR" altLang="en-US" smtClean="0"/>
               <a:pPr/>
-              <a:t>2020-03-31</a:t>
+              <a:t>2020-04-01</a:t>
             </a:fld>
             <a:endParaRPr lang="ko-KR" altLang="en-US"/>
           </a:p>
@@ -4509,7 +4316,7 @@
             <a:fld id="{D0DB8FD8-EA96-4975-82CC-472F95990E2A}" type="datetimeFigureOut">
               <a:rPr lang="ko-KR" altLang="en-US" smtClean="0"/>
               <a:pPr/>
-              <a:t>2020-03-31</a:t>
+              <a:t>2020-04-01</a:t>
             </a:fld>
             <a:endParaRPr lang="ko-KR" altLang="en-US"/>
           </a:p>
@@ -4682,7 +4489,7 @@
             <a:fld id="{D0DB8FD8-EA96-4975-82CC-472F95990E2A}" type="datetimeFigureOut">
               <a:rPr lang="ko-KR" altLang="en-US" smtClean="0"/>
               <a:pPr/>
-              <a:t>2020-03-31</a:t>
+              <a:t>2020-04-01</a:t>
             </a:fld>
             <a:endParaRPr lang="ko-KR" altLang="en-US"/>
           </a:p>
@@ -4791,7 +4598,7 @@
             <a:fld id="{D0DB8FD8-EA96-4975-82CC-472F95990E2A}" type="datetimeFigureOut">
               <a:rPr lang="ko-KR" altLang="en-US" smtClean="0"/>
               <a:pPr/>
-              <a:t>2020-03-31</a:t>
+              <a:t>2020-04-01</a:t>
             </a:fld>
             <a:endParaRPr lang="ko-KR" altLang="en-US"/>
           </a:p>
@@ -5082,7 +4889,7 @@
             <a:fld id="{D0DB8FD8-EA96-4975-82CC-472F95990E2A}" type="datetimeFigureOut">
               <a:rPr lang="ko-KR" altLang="en-US" smtClean="0"/>
               <a:pPr/>
-              <a:t>2020-03-31</a:t>
+              <a:t>2020-04-01</a:t>
             </a:fld>
             <a:endParaRPr lang="ko-KR" altLang="en-US"/>
           </a:p>
@@ -5356,7 +5163,7 @@
             <a:fld id="{D0DB8FD8-EA96-4975-82CC-472F95990E2A}" type="datetimeFigureOut">
               <a:rPr lang="ko-KR" altLang="en-US" smtClean="0"/>
               <a:pPr/>
-              <a:t>2020-03-31</a:t>
+              <a:t>2020-04-01</a:t>
             </a:fld>
             <a:endParaRPr lang="ko-KR" altLang="en-US"/>
           </a:p>
@@ -5635,7 +5442,7 @@
             <a:fld id="{D0DB8FD8-EA96-4975-82CC-472F95990E2A}" type="datetimeFigureOut">
               <a:rPr lang="ko-KR" altLang="en-US" smtClean="0"/>
               <a:pPr/>
-              <a:t>2020-03-31</a:t>
+              <a:t>2020-04-01</a:t>
             </a:fld>
             <a:endParaRPr lang="ko-KR" altLang="en-US"/>
           </a:p>
@@ -7513,7 +7320,7 @@
         </p:blipFill>
         <p:spPr>
           <a:xfrm>
-            <a:off x="1056438" y="1493945"/>
+            <a:off x="1056438" y="1485255"/>
             <a:ext cx="7031124" cy="5348337"/>
           </a:xfrm>
           <a:prstGeom prst="rect">
@@ -7525,6 +7332,86 @@
     <p:extLst>
       <p:ext uri="{BB962C8B-B14F-4D97-AF65-F5344CB8AC3E}">
         <p14:creationId xmlns:p14="http://schemas.microsoft.com/office/powerpoint/2010/main" val="1333702857"/>
+      </p:ext>
+    </p:extLst>
+  </p:cSld>
+  <p:clrMapOvr>
+    <a:masterClrMapping/>
+  </p:clrMapOvr>
+</p:sld>
+</file>
+
+<file path=ppt/slides/slide16.xml><?xml version="1.0" encoding="utf-8"?>
+<p:sld xmlns:a="http://schemas.openxmlformats.org/drawingml/2006/main" xmlns:r="http://schemas.openxmlformats.org/officeDocument/2006/relationships" xmlns:p="http://schemas.openxmlformats.org/presentationml/2006/main">
+  <p:cSld>
+    <p:spTree>
+      <p:nvGrpSpPr>
+        <p:cNvPr id="1" name=""/>
+        <p:cNvGrpSpPr/>
+        <p:nvPr/>
+      </p:nvGrpSpPr>
+      <p:grpSpPr>
+        <a:xfrm>
+          <a:off x="0" y="0"/>
+          <a:ext cx="0" cy="0"/>
+          <a:chOff x="0" y="0"/>
+          <a:chExt cx="0" cy="0"/>
+        </a:xfrm>
+      </p:grpSpPr>
+      <p:sp>
+        <p:nvSpPr>
+          <p:cNvPr id="2" name="제목 1">
+            <a:extLst>
+              <a:ext uri="{FF2B5EF4-FFF2-40B4-BE49-F238E27FC236}">
+                <a16:creationId xmlns:a16="http://schemas.microsoft.com/office/drawing/2014/main" id="{E012B09A-361B-4EDF-BCA4-5435097938EA}"/>
+              </a:ext>
+            </a:extLst>
+          </p:cNvPr>
+          <p:cNvSpPr>
+            <a:spLocks noGrp="1"/>
+          </p:cNvSpPr>
+          <p:nvPr>
+            <p:ph type="title"/>
+          </p:nvPr>
+        </p:nvSpPr>
+        <p:spPr/>
+        <p:txBody>
+          <a:bodyPr/>
+          <a:lstStyle/>
+          <a:p>
+            <a:endParaRPr lang="ko-KR" altLang="en-US"/>
+          </a:p>
+        </p:txBody>
+      </p:sp>
+      <p:sp>
+        <p:nvSpPr>
+          <p:cNvPr id="3" name="내용 개체 틀 2">
+            <a:extLst>
+              <a:ext uri="{FF2B5EF4-FFF2-40B4-BE49-F238E27FC236}">
+                <a16:creationId xmlns:a16="http://schemas.microsoft.com/office/drawing/2014/main" id="{88260F00-59BE-4E5E-99E2-3A48B03538B9}"/>
+              </a:ext>
+            </a:extLst>
+          </p:cNvPr>
+          <p:cNvSpPr>
+            <a:spLocks noGrp="1"/>
+          </p:cNvSpPr>
+          <p:nvPr>
+            <p:ph idx="1"/>
+          </p:nvPr>
+        </p:nvSpPr>
+        <p:spPr/>
+        <p:txBody>
+          <a:bodyPr/>
+          <a:lstStyle/>
+          <a:p>
+            <a:endParaRPr lang="ko-KR" altLang="en-US"/>
+          </a:p>
+        </p:txBody>
+      </p:sp>
+    </p:spTree>
+    <p:extLst>
+      <p:ext uri="{BB962C8B-B14F-4D97-AF65-F5344CB8AC3E}">
+        <p14:creationId xmlns:p14="http://schemas.microsoft.com/office/powerpoint/2010/main" val="3919344175"/>
       </p:ext>
     </p:extLst>
   </p:cSld>
